--- a/docs/Teaching/PPTX/FCC Chem 3A Expt 8a Gas Constant R.pptx
+++ b/docs/Teaching/PPTX/FCC Chem 3A Expt 8a Gas Constant R.pptx
@@ -5,29 +5,28 @@
     <p:sldMasterId id="2147483803" r:id="rId1"/>
   </p:sldMasterIdLst>
   <p:notesMasterIdLst>
-    <p:notesMasterId r:id="rId22"/>
+    <p:notesMasterId r:id="rId21"/>
   </p:notesMasterIdLst>
   <p:sldIdLst>
     <p:sldId id="608" r:id="rId2"/>
     <p:sldId id="609" r:id="rId3"/>
-    <p:sldId id="616" r:id="rId4"/>
-    <p:sldId id="613" r:id="rId5"/>
-    <p:sldId id="624" r:id="rId6"/>
-    <p:sldId id="610" r:id="rId7"/>
-    <p:sldId id="633" r:id="rId8"/>
-    <p:sldId id="634" r:id="rId9"/>
-    <p:sldId id="625" r:id="rId10"/>
-    <p:sldId id="635" r:id="rId11"/>
-    <p:sldId id="636" r:id="rId12"/>
-    <p:sldId id="638" r:id="rId13"/>
-    <p:sldId id="639" r:id="rId14"/>
-    <p:sldId id="641" r:id="rId15"/>
-    <p:sldId id="640" r:id="rId16"/>
-    <p:sldId id="612" r:id="rId17"/>
-    <p:sldId id="623" r:id="rId18"/>
-    <p:sldId id="628" r:id="rId19"/>
-    <p:sldId id="631" r:id="rId20"/>
-    <p:sldId id="637" r:id="rId21"/>
+    <p:sldId id="613" r:id="rId4"/>
+    <p:sldId id="624" r:id="rId5"/>
+    <p:sldId id="610" r:id="rId6"/>
+    <p:sldId id="633" r:id="rId7"/>
+    <p:sldId id="634" r:id="rId8"/>
+    <p:sldId id="625" r:id="rId9"/>
+    <p:sldId id="635" r:id="rId10"/>
+    <p:sldId id="636" r:id="rId11"/>
+    <p:sldId id="638" r:id="rId12"/>
+    <p:sldId id="639" r:id="rId13"/>
+    <p:sldId id="641" r:id="rId14"/>
+    <p:sldId id="640" r:id="rId15"/>
+    <p:sldId id="612" r:id="rId16"/>
+    <p:sldId id="623" r:id="rId17"/>
+    <p:sldId id="628" r:id="rId18"/>
+    <p:sldId id="631" r:id="rId19"/>
+    <p:sldId id="637" r:id="rId20"/>
   </p:sldIdLst>
   <p:sldSz cx="9144000" cy="6858000" type="screen4x3"/>
   <p:notesSz cx="7315200" cy="9601200"/>
@@ -10612,284 +10611,6 @@
         <p:cNvPr id="1" name="">
           <a:extLst>
             <a:ext uri="{FF2B5EF4-FFF2-40B4-BE49-F238E27FC236}">
-              <a16:creationId xmlns:a16="http://schemas.microsoft.com/office/drawing/2014/main" id="{95EF48BD-4279-9E92-82A4-23BD4343B1F9}"/>
-            </a:ext>
-          </a:extLst>
-        </p:cNvPr>
-        <p:cNvGrpSpPr/>
-        <p:nvPr/>
-      </p:nvGrpSpPr>
-      <p:grpSpPr>
-        <a:xfrm>
-          <a:off x="0" y="0"/>
-          <a:ext cx="0" cy="0"/>
-          <a:chOff x="0" y="0"/>
-          <a:chExt cx="0" cy="0"/>
-        </a:xfrm>
-      </p:grpSpPr>
-      <p:sp>
-        <p:nvSpPr>
-          <p:cNvPr id="2" name="Title 1">
-            <a:extLst>
-              <a:ext uri="{FF2B5EF4-FFF2-40B4-BE49-F238E27FC236}">
-                <a16:creationId xmlns:a16="http://schemas.microsoft.com/office/drawing/2014/main" id="{7FA3F0D3-DF1A-C01B-EE1C-9ACC6A2E408C}"/>
-              </a:ext>
-            </a:extLst>
-          </p:cNvPr>
-          <p:cNvSpPr>
-            <a:spLocks noGrp="1"/>
-          </p:cNvSpPr>
-          <p:nvPr>
-            <p:ph type="title"/>
-          </p:nvPr>
-        </p:nvSpPr>
-        <p:spPr>
-          <a:xfrm>
-            <a:off x="338666" y="183025"/>
-            <a:ext cx="8421512" cy="769441"/>
-          </a:xfrm>
-        </p:spPr>
-        <p:txBody>
-          <a:bodyPr/>
-          <a:lstStyle/>
-          <a:p>
-            <a:r>
-              <a:rPr lang="en-US" sz="4400" dirty="0"/>
-              <a:t>Procedure</a:t>
-            </a:r>
-          </a:p>
-        </p:txBody>
-      </p:sp>
-      <p:sp>
-        <p:nvSpPr>
-          <p:cNvPr id="6" name="Content Placeholder 5">
-            <a:extLst>
-              <a:ext uri="{FF2B5EF4-FFF2-40B4-BE49-F238E27FC236}">
-                <a16:creationId xmlns:a16="http://schemas.microsoft.com/office/drawing/2014/main" id="{4B1C4C92-AEB0-ACA3-287E-CA6DA417E8E6}"/>
-              </a:ext>
-            </a:extLst>
-          </p:cNvPr>
-          <p:cNvSpPr>
-            <a:spLocks noGrp="1"/>
-          </p:cNvSpPr>
-          <p:nvPr>
-            <p:ph idx="1"/>
-          </p:nvPr>
-        </p:nvSpPr>
-        <p:spPr>
-          <a:xfrm>
-            <a:off x="372533" y="952466"/>
-            <a:ext cx="8387645" cy="5595089"/>
-          </a:xfrm>
-        </p:spPr>
-        <p:txBody>
-          <a:bodyPr/>
-          <a:lstStyle/>
-          <a:p>
-            <a:pPr marL="457200" indent="-457200">
-              <a:buFont typeface="+mj-lt"/>
-              <a:buAutoNum type="arabicPeriod" startAt="6"/>
-            </a:pPr>
-            <a:r>
-              <a:rPr lang="en-US" sz="2100" dirty="0"/>
-              <a:t>Using a small (10 mL) </a:t>
-            </a:r>
-            <a:r>
-              <a:rPr lang="en-US" sz="2100" dirty="0">
-                <a:solidFill>
-                  <a:srgbClr val="FFFF00"/>
-                </a:solidFill>
-              </a:rPr>
-              <a:t>graduated cylinder</a:t>
-            </a:r>
-            <a:r>
-              <a:rPr lang="en-US" sz="2100" dirty="0"/>
-              <a:t>, pour </a:t>
-            </a:r>
-            <a:r>
-              <a:rPr lang="en-US" sz="2100" b="1" dirty="0">
-                <a:solidFill>
-                  <a:srgbClr val="FFC000"/>
-                </a:solidFill>
-              </a:rPr>
-              <a:t>8-10 mL </a:t>
-            </a:r>
-            <a:r>
-              <a:rPr lang="en-US" sz="2100" dirty="0"/>
-              <a:t>of </a:t>
-            </a:r>
-            <a:r>
-              <a:rPr lang="en-US" sz="2100" dirty="0">
-                <a:solidFill>
-                  <a:srgbClr val="FFC000"/>
-                </a:solidFill>
-              </a:rPr>
-              <a:t>6 M</a:t>
-            </a:r>
-            <a:r>
-              <a:rPr lang="en-US" sz="2100" dirty="0"/>
-              <a:t> (molar) </a:t>
-            </a:r>
-            <a:r>
-              <a:rPr lang="en-US" sz="2100" dirty="0">
-                <a:solidFill>
-                  <a:schemeClr val="accent1">
-                    <a:lumMod val="60000"/>
-                    <a:lumOff val="40000"/>
-                  </a:schemeClr>
-                </a:solidFill>
-              </a:rPr>
-              <a:t>hydrochloric acid</a:t>
-            </a:r>
-            <a:r>
-              <a:rPr lang="en-US" sz="2100" dirty="0"/>
-              <a:t> (</a:t>
-            </a:r>
-            <a:r>
-              <a:rPr lang="en-US" sz="2100" b="1" dirty="0">
-                <a:solidFill>
-                  <a:schemeClr val="accent1">
-                    <a:lumMod val="60000"/>
-                    <a:lumOff val="40000"/>
-                  </a:schemeClr>
-                </a:solidFill>
-              </a:rPr>
-              <a:t>HCl</a:t>
-            </a:r>
-            <a:r>
-              <a:rPr lang="en-US" sz="2100" dirty="0"/>
-              <a:t>) into the gas collection tube (eudiometer)</a:t>
-            </a:r>
-          </a:p>
-          <a:p>
-            <a:pPr marL="457200" indent="-457200">
-              <a:buFont typeface="+mj-lt"/>
-              <a:buAutoNum type="arabicPeriod" startAt="6"/>
-            </a:pPr>
-            <a:r>
-              <a:rPr lang="en-US" sz="2100" dirty="0"/>
-              <a:t>For this step of adding </a:t>
-            </a:r>
-            <a:r>
-              <a:rPr lang="en-US" sz="2100" dirty="0">
-                <a:solidFill>
-                  <a:schemeClr val="accent1">
-                    <a:lumMod val="60000"/>
-                    <a:lumOff val="40000"/>
-                  </a:schemeClr>
-                </a:solidFill>
-              </a:rPr>
-              <a:t>DI water</a:t>
-            </a:r>
-            <a:r>
-              <a:rPr lang="en-US" sz="2100" dirty="0"/>
-              <a:t>, I suggest you first tip the </a:t>
-            </a:r>
-            <a:r>
-              <a:rPr lang="en-US" sz="2100" dirty="0">
-                <a:solidFill>
-                  <a:schemeClr val="accent1">
-                    <a:lumMod val="60000"/>
-                    <a:lumOff val="40000"/>
-                  </a:schemeClr>
-                </a:solidFill>
-              </a:rPr>
-              <a:t>eudiometer</a:t>
-            </a:r>
-            <a:r>
-              <a:rPr lang="en-US" sz="2100" dirty="0"/>
-              <a:t> tube at an angle so that the water comes in down the side of the wall of the eudiometer tube. VERY SLOWLY AT FIRST add water to the eudiometer to avoid MIXING the water with the acid. As you add more water, the mixing effect will lessen but still add it slowly. Bring the level of the water to the brim of the eudiometer tube, this time holding the tube quite vertically.</a:t>
-            </a:r>
-          </a:p>
-          <a:p>
-            <a:pPr marL="457200" indent="-457200">
-              <a:buFont typeface="+mj-lt"/>
-              <a:buAutoNum type="arabicPeriod" startAt="6"/>
-            </a:pPr>
-            <a:r>
-              <a:rPr lang="en-US" sz="2100" dirty="0"/>
-              <a:t>Put the </a:t>
-            </a:r>
-            <a:r>
-              <a:rPr lang="en-US" sz="2100" dirty="0">
-                <a:solidFill>
-                  <a:srgbClr val="FFFF00"/>
-                </a:solidFill>
-              </a:rPr>
-              <a:t>Mg ribbon </a:t>
-            </a:r>
-            <a:r>
-              <a:rPr lang="en-US" sz="2100" dirty="0"/>
-              <a:t>in the water JUST INSIDE THE TUBE. Some of the </a:t>
-            </a:r>
-            <a:r>
-              <a:rPr lang="en-US" sz="2100" dirty="0">
-                <a:solidFill>
-                  <a:srgbClr val="FFFF00"/>
-                </a:solidFill>
-              </a:rPr>
-              <a:t>fishing line </a:t>
-            </a:r>
-            <a:r>
-              <a:rPr lang="en-US" sz="2100" dirty="0"/>
-              <a:t>should be OUTSIDE the tube.</a:t>
-            </a:r>
-          </a:p>
-          <a:p>
-            <a:pPr marL="457200" indent="-457200">
-              <a:buFont typeface="+mj-lt"/>
-              <a:buAutoNum type="arabicPeriod" startAt="6"/>
-            </a:pPr>
-            <a:r>
-              <a:rPr lang="en-US" sz="2100" dirty="0"/>
-              <a:t>Place a </a:t>
-            </a:r>
-            <a:r>
-              <a:rPr lang="en-US" sz="2100" dirty="0">
-                <a:solidFill>
-                  <a:schemeClr val="accent1">
-                    <a:lumMod val="60000"/>
-                    <a:lumOff val="40000"/>
-                  </a:schemeClr>
-                </a:solidFill>
-              </a:rPr>
-              <a:t>rubber stopper </a:t>
-            </a:r>
-            <a:r>
-              <a:rPr lang="en-US" sz="2100" dirty="0"/>
-              <a:t>in the tube, making sure it holds the fishing line</a:t>
-            </a:r>
-          </a:p>
-          <a:p>
-            <a:pPr marL="457200" indent="-457200">
-              <a:buFont typeface="+mj-lt"/>
-              <a:buAutoNum type="arabicPeriod" startAt="6"/>
-            </a:pPr>
-            <a:endParaRPr lang="en-US" sz="2100" dirty="0"/>
-          </a:p>
-        </p:txBody>
-      </p:sp>
-    </p:spTree>
-    <p:extLst>
-      <p:ext uri="{BB962C8B-B14F-4D97-AF65-F5344CB8AC3E}">
-        <p14:creationId xmlns:p14="http://schemas.microsoft.com/office/powerpoint/2010/main" val="1722849385"/>
-      </p:ext>
-    </p:extLst>
-  </p:cSld>
-  <p:clrMapOvr>
-    <a:masterClrMapping/>
-  </p:clrMapOvr>
-</p:sld>
-</file>
-
-<file path=ppt/slides/slide11.xml><?xml version="1.0" encoding="utf-8"?>
-<p:sld xmlns:a="http://schemas.openxmlformats.org/drawingml/2006/main" xmlns:r="http://schemas.openxmlformats.org/officeDocument/2006/relationships" xmlns:p="http://schemas.openxmlformats.org/presentationml/2006/main">
-  <p:cSld>
-    <p:spTree>
-      <p:nvGrpSpPr>
-        <p:cNvPr id="1" name="">
-          <a:extLst>
-            <a:ext uri="{FF2B5EF4-FFF2-40B4-BE49-F238E27FC236}">
               <a16:creationId xmlns:a16="http://schemas.microsoft.com/office/drawing/2014/main" id="{CE4E8FFA-47AA-F279-39D5-EEED13A4443B}"/>
             </a:ext>
           </a:extLst>
@@ -11052,7 +10773,7 @@
 </p:sld>
 </file>
 
-<file path=ppt/slides/slide12.xml><?xml version="1.0" encoding="utf-8"?>
+<file path=ppt/slides/slide11.xml><?xml version="1.0" encoding="utf-8"?>
 <p:sld xmlns:a="http://schemas.openxmlformats.org/drawingml/2006/main" xmlns:r="http://schemas.openxmlformats.org/officeDocument/2006/relationships" xmlns:p="http://schemas.openxmlformats.org/presentationml/2006/main">
   <p:cSld>
     <p:spTree>
@@ -11185,7 +10906,7 @@
 </p:sld>
 </file>
 
-<file path=ppt/slides/slide13.xml><?xml version="1.0" encoding="utf-8"?>
+<file path=ppt/slides/slide12.xml><?xml version="1.0" encoding="utf-8"?>
 <p:sld xmlns:a="http://schemas.openxmlformats.org/drawingml/2006/main" xmlns:r="http://schemas.openxmlformats.org/officeDocument/2006/relationships" xmlns:p="http://schemas.openxmlformats.org/presentationml/2006/main">
   <p:cSld>
     <p:spTree>
@@ -11318,7 +11039,7 @@
 </p:sld>
 </file>
 
-<file path=ppt/slides/slide14.xml><?xml version="1.0" encoding="utf-8"?>
+<file path=ppt/slides/slide13.xml><?xml version="1.0" encoding="utf-8"?>
 <p:sld xmlns:a="http://schemas.openxmlformats.org/drawingml/2006/main" xmlns:r="http://schemas.openxmlformats.org/officeDocument/2006/relationships" xmlns:p="http://schemas.openxmlformats.org/presentationml/2006/main">
   <p:cSld>
     <p:spTree>
@@ -11451,7 +11172,7 @@
 </p:sld>
 </file>
 
-<file path=ppt/slides/slide15.xml><?xml version="1.0" encoding="utf-8"?>
+<file path=ppt/slides/slide14.xml><?xml version="1.0" encoding="utf-8"?>
 <p:sld xmlns:a="http://schemas.openxmlformats.org/drawingml/2006/main" xmlns:r="http://schemas.openxmlformats.org/officeDocument/2006/relationships" xmlns:p="http://schemas.openxmlformats.org/presentationml/2006/main">
   <p:cSld>
     <p:spTree>
@@ -11584,7 +11305,7 @@
 </p:sld>
 </file>
 
-<file path=ppt/slides/slide16.xml><?xml version="1.0" encoding="utf-8"?>
+<file path=ppt/slides/slide15.xml><?xml version="1.0" encoding="utf-8"?>
 <p:sld xmlns:a="http://schemas.openxmlformats.org/drawingml/2006/main" xmlns:r="http://schemas.openxmlformats.org/officeDocument/2006/relationships" xmlns:p="http://schemas.openxmlformats.org/presentationml/2006/main">
   <p:cSld>
     <p:spTree>
@@ -11696,7 +11417,7 @@
 </p:sld>
 </file>
 
-<file path=ppt/slides/slide17.xml><?xml version="1.0" encoding="utf-8"?>
+<file path=ppt/slides/slide16.xml><?xml version="1.0" encoding="utf-8"?>
 <p:sld xmlns:a="http://schemas.openxmlformats.org/drawingml/2006/main" xmlns:r="http://schemas.openxmlformats.org/officeDocument/2006/relationships" xmlns:p="http://schemas.openxmlformats.org/presentationml/2006/main">
   <p:cSld>
     <p:spTree>
@@ -11870,8 +11591,8 @@
 </p:sld>
 </file>
 
-<file path=ppt/slides/slide18.xml><?xml version="1.0" encoding="utf-8"?>
-<p:sld xmlns:a="http://schemas.openxmlformats.org/drawingml/2006/main" xmlns:r="http://schemas.openxmlformats.org/officeDocument/2006/relationships" xmlns:p="http://schemas.openxmlformats.org/presentationml/2006/main" show="0">
+<file path=ppt/slides/slide17.xml><?xml version="1.0" encoding="utf-8"?>
+<p:sld xmlns:a="http://schemas.openxmlformats.org/drawingml/2006/main" xmlns:r="http://schemas.openxmlformats.org/officeDocument/2006/relationships" xmlns:p="http://schemas.openxmlformats.org/presentationml/2006/main">
   <p:cSld>
     <p:spTree>
       <p:nvGrpSpPr>
@@ -11997,8 +11718,8 @@
 </p:sld>
 </file>
 
-<file path=ppt/slides/slide19.xml><?xml version="1.0" encoding="utf-8"?>
-<p:sld xmlns:a="http://schemas.openxmlformats.org/drawingml/2006/main" xmlns:r="http://schemas.openxmlformats.org/officeDocument/2006/relationships" xmlns:p="http://schemas.openxmlformats.org/presentationml/2006/main" show="0">
+<file path=ppt/slides/slide18.xml><?xml version="1.0" encoding="utf-8"?>
+<p:sld xmlns:a="http://schemas.openxmlformats.org/drawingml/2006/main" xmlns:r="http://schemas.openxmlformats.org/officeDocument/2006/relationships" xmlns:p="http://schemas.openxmlformats.org/presentationml/2006/main">
   <p:cSld>
     <p:spTree>
       <p:nvGrpSpPr>
@@ -12112,6 +11833,130 @@
     <p:extLst>
       <p:ext uri="{BB962C8B-B14F-4D97-AF65-F5344CB8AC3E}">
         <p14:creationId xmlns:p14="http://schemas.microsoft.com/office/powerpoint/2010/main" val="975803485"/>
+      </p:ext>
+    </p:extLst>
+  </p:cSld>
+  <p:clrMapOvr>
+    <a:masterClrMapping/>
+  </p:clrMapOvr>
+</p:sld>
+</file>
+
+<file path=ppt/slides/slide19.xml><?xml version="1.0" encoding="utf-8"?>
+<p:sld xmlns:a="http://schemas.openxmlformats.org/drawingml/2006/main" xmlns:r="http://schemas.openxmlformats.org/officeDocument/2006/relationships" xmlns:p="http://schemas.openxmlformats.org/presentationml/2006/main">
+  <p:cSld>
+    <p:spTree>
+      <p:nvGrpSpPr>
+        <p:cNvPr id="1" name="">
+          <a:extLst>
+            <a:ext uri="{FF2B5EF4-FFF2-40B4-BE49-F238E27FC236}">
+              <a16:creationId xmlns:a16="http://schemas.microsoft.com/office/drawing/2014/main" id="{942E149E-3965-4F49-4903-3F42EF5C8DE5}"/>
+            </a:ext>
+          </a:extLst>
+        </p:cNvPr>
+        <p:cNvGrpSpPr/>
+        <p:nvPr/>
+      </p:nvGrpSpPr>
+      <p:grpSpPr>
+        <a:xfrm>
+          <a:off x="0" y="0"/>
+          <a:ext cx="0" cy="0"/>
+          <a:chOff x="0" y="0"/>
+          <a:chExt cx="0" cy="0"/>
+        </a:xfrm>
+      </p:grpSpPr>
+      <p:sp>
+        <p:nvSpPr>
+          <p:cNvPr id="5" name="Content Placeholder 4">
+            <a:extLst>
+              <a:ext uri="{FF2B5EF4-FFF2-40B4-BE49-F238E27FC236}">
+                <a16:creationId xmlns:a16="http://schemas.microsoft.com/office/drawing/2014/main" id="{E6D82475-2BAD-CAF6-DB44-73956EF6978C}"/>
+              </a:ext>
+            </a:extLst>
+          </p:cNvPr>
+          <p:cNvSpPr>
+            <a:spLocks noGrp="1"/>
+          </p:cNvSpPr>
+          <p:nvPr>
+            <p:ph idx="1"/>
+          </p:nvPr>
+        </p:nvSpPr>
+        <p:spPr/>
+        <p:txBody>
+          <a:bodyPr/>
+          <a:lstStyle/>
+          <a:p>
+            <a:endParaRPr lang="en-US" dirty="0"/>
+          </a:p>
+        </p:txBody>
+      </p:sp>
+      <p:sp>
+        <p:nvSpPr>
+          <p:cNvPr id="2" name="Title 1">
+            <a:extLst>
+              <a:ext uri="{FF2B5EF4-FFF2-40B4-BE49-F238E27FC236}">
+                <a16:creationId xmlns:a16="http://schemas.microsoft.com/office/drawing/2014/main" id="{5D6B2744-B2EC-A935-03F7-00A0BEE95CF9}"/>
+              </a:ext>
+            </a:extLst>
+          </p:cNvPr>
+          <p:cNvSpPr>
+            <a:spLocks noGrp="1"/>
+          </p:cNvSpPr>
+          <p:nvPr>
+            <p:ph type="title"/>
+          </p:nvPr>
+        </p:nvSpPr>
+        <p:spPr>
+          <a:xfrm>
+            <a:off x="338666" y="183025"/>
+            <a:ext cx="8421512" cy="769441"/>
+          </a:xfrm>
+        </p:spPr>
+        <p:txBody>
+          <a:bodyPr/>
+          <a:lstStyle/>
+          <a:p>
+            <a:r>
+              <a:rPr lang="en-US" sz="4400" dirty="0"/>
+              <a:t>Example Data Analysis</a:t>
+            </a:r>
+          </a:p>
+        </p:txBody>
+      </p:sp>
+      <p:pic>
+        <p:nvPicPr>
+          <p:cNvPr id="10" name="Picture 9">
+            <a:extLst>
+              <a:ext uri="{FF2B5EF4-FFF2-40B4-BE49-F238E27FC236}">
+                <a16:creationId xmlns:a16="http://schemas.microsoft.com/office/drawing/2014/main" id="{631A673E-DF46-7DED-DED7-7F4B3E3B641D}"/>
+              </a:ext>
+            </a:extLst>
+          </p:cNvPr>
+          <p:cNvPicPr>
+            <a:picLocks noChangeAspect="1"/>
+          </p:cNvPicPr>
+          <p:nvPr/>
+        </p:nvPicPr>
+        <p:blipFill>
+          <a:blip r:embed="rId2"/>
+          <a:stretch>
+            <a:fillRect/>
+          </a:stretch>
+        </p:blipFill>
+        <p:spPr>
+          <a:xfrm>
+            <a:off x="831133" y="1427783"/>
+            <a:ext cx="7630590" cy="4315427"/>
+          </a:xfrm>
+          <a:prstGeom prst="rect">
+            <a:avLst/>
+          </a:prstGeom>
+        </p:spPr>
+      </p:pic>
+    </p:spTree>
+    <p:extLst>
+      <p:ext uri="{BB962C8B-B14F-4D97-AF65-F5344CB8AC3E}">
+        <p14:creationId xmlns:p14="http://schemas.microsoft.com/office/powerpoint/2010/main" val="837036054"/>
       </p:ext>
     </p:extLst>
   </p:cSld>
@@ -12171,8 +12016,8 @@
           </a:p>
         </p:txBody>
       </p:sp>
-      <mc:AlternateContent xmlns:mc="http://schemas.openxmlformats.org/markup-compatibility/2006">
-        <mc:Choice xmlns:a14="http://schemas.microsoft.com/office/drawing/2010/main" Requires="a14">
+      <mc:AlternateContent xmlns:mc="http://schemas.openxmlformats.org/markup-compatibility/2006" xmlns:a14="http://schemas.microsoft.com/office/drawing/2010/main">
+        <mc:Choice Requires="a14">
           <p:sp>
             <p:nvSpPr>
               <p:cNvPr id="3" name="Content Placeholder 2">
@@ -12317,7 +12162,7 @@
                       <m:d>
                         <m:dPr>
                           <m:ctrlPr>
-                            <a:rPr lang="en-US" b="0" smtClean="0">
+                            <a:rPr lang="en-US" b="0" i="1" smtClean="0">
                               <a:latin typeface="Cambria Math" panose="02040503050406030204" pitchFamily="18" charset="0"/>
                             </a:rPr>
                           </m:ctrlPr>
@@ -12355,7 +12200,7 @@
                       <m:d>
                         <m:dPr>
                           <m:ctrlPr>
-                            <a:rPr lang="en-US" b="0" smtClean="0">
+                            <a:rPr lang="en-US" b="0" i="1" smtClean="0">
                               <a:latin typeface="Cambria Math" panose="02040503050406030204" pitchFamily="18" charset="0"/>
                             </a:rPr>
                           </m:ctrlPr>
@@ -12378,7 +12223,7 @@
                       <m:sSub>
                         <m:sSubPr>
                           <m:ctrlPr>
-                            <a:rPr lang="en-US" b="1" smtClean="0">
+                            <a:rPr lang="en-US" b="1" i="1" smtClean="0">
                               <a:solidFill>
                                 <a:srgbClr val="FFC000"/>
                               </a:solidFill>
@@ -12418,7 +12263,7 @@
                       <m:d>
                         <m:dPr>
                           <m:ctrlPr>
-                            <a:rPr lang="en-US">
+                            <a:rPr lang="en-US" i="1">
                               <a:latin typeface="Cambria Math" panose="02040503050406030204" pitchFamily="18" charset="0"/>
                             </a:rPr>
                           </m:ctrlPr>
@@ -12441,7 +12286,7 @@
                       <m:sSup>
                         <m:sSupPr>
                           <m:ctrlPr>
-                            <a:rPr lang="en-US" b="0" smtClean="0">
+                            <a:rPr lang="en-US" b="0" i="1" smtClean="0">
                               <a:latin typeface="Cambria Math" panose="02040503050406030204" pitchFamily="18" charset="0"/>
                             </a:rPr>
                           </m:ctrlPr>
@@ -12475,7 +12320,7 @@
                       <m:d>
                         <m:dPr>
                           <m:ctrlPr>
-                            <a:rPr lang="en-US" b="0" smtClean="0">
+                            <a:rPr lang="en-US" b="0" i="1" smtClean="0">
                               <a:latin typeface="Cambria Math" panose="02040503050406030204" pitchFamily="18" charset="0"/>
                             </a:rPr>
                           </m:ctrlPr>
@@ -12498,7 +12343,7 @@
                       <m:sSup>
                         <m:sSupPr>
                           <m:ctrlPr>
-                            <a:rPr lang="en-US">
+                            <a:rPr lang="en-US" i="1">
                               <a:latin typeface="Cambria Math" panose="02040503050406030204" pitchFamily="18" charset="0"/>
                             </a:rPr>
                           </m:ctrlPr>
@@ -12532,7 +12377,7 @@
                       <m:d>
                         <m:dPr>
                           <m:ctrlPr>
-                            <a:rPr lang="en-US">
+                            <a:rPr lang="en-US" i="1">
                               <a:latin typeface="Cambria Math" panose="02040503050406030204" pitchFamily="18" charset="0"/>
                             </a:rPr>
                           </m:ctrlPr>
@@ -12779,7 +12624,7 @@
             </p:txBody>
           </p:sp>
         </mc:Choice>
-        <mc:Fallback>
+        <mc:Fallback xmlns="">
           <p:sp>
             <p:nvSpPr>
               <p:cNvPr id="3" name="Content Placeholder 2">
@@ -12836,320 +12681,7 @@
 </p:sld>
 </file>
 
-<file path=ppt/slides/slide20.xml><?xml version="1.0" encoding="utf-8"?>
-<p:sld xmlns:a="http://schemas.openxmlformats.org/drawingml/2006/main" xmlns:r="http://schemas.openxmlformats.org/officeDocument/2006/relationships" xmlns:p="http://schemas.openxmlformats.org/presentationml/2006/main" show="0">
-  <p:cSld>
-    <p:spTree>
-      <p:nvGrpSpPr>
-        <p:cNvPr id="1" name="">
-          <a:extLst>
-            <a:ext uri="{FF2B5EF4-FFF2-40B4-BE49-F238E27FC236}">
-              <a16:creationId xmlns:a16="http://schemas.microsoft.com/office/drawing/2014/main" id="{942E149E-3965-4F49-4903-3F42EF5C8DE5}"/>
-            </a:ext>
-          </a:extLst>
-        </p:cNvPr>
-        <p:cNvGrpSpPr/>
-        <p:nvPr/>
-      </p:nvGrpSpPr>
-      <p:grpSpPr>
-        <a:xfrm>
-          <a:off x="0" y="0"/>
-          <a:ext cx="0" cy="0"/>
-          <a:chOff x="0" y="0"/>
-          <a:chExt cx="0" cy="0"/>
-        </a:xfrm>
-      </p:grpSpPr>
-      <p:sp>
-        <p:nvSpPr>
-          <p:cNvPr id="5" name="Content Placeholder 4">
-            <a:extLst>
-              <a:ext uri="{FF2B5EF4-FFF2-40B4-BE49-F238E27FC236}">
-                <a16:creationId xmlns:a16="http://schemas.microsoft.com/office/drawing/2014/main" id="{E6D82475-2BAD-CAF6-DB44-73956EF6978C}"/>
-              </a:ext>
-            </a:extLst>
-          </p:cNvPr>
-          <p:cNvSpPr>
-            <a:spLocks noGrp="1"/>
-          </p:cNvSpPr>
-          <p:nvPr>
-            <p:ph idx="1"/>
-          </p:nvPr>
-        </p:nvSpPr>
-        <p:spPr/>
-        <p:txBody>
-          <a:bodyPr/>
-          <a:lstStyle/>
-          <a:p>
-            <a:endParaRPr lang="en-US" dirty="0"/>
-          </a:p>
-        </p:txBody>
-      </p:sp>
-      <p:sp>
-        <p:nvSpPr>
-          <p:cNvPr id="2" name="Title 1">
-            <a:extLst>
-              <a:ext uri="{FF2B5EF4-FFF2-40B4-BE49-F238E27FC236}">
-                <a16:creationId xmlns:a16="http://schemas.microsoft.com/office/drawing/2014/main" id="{5D6B2744-B2EC-A935-03F7-00A0BEE95CF9}"/>
-              </a:ext>
-            </a:extLst>
-          </p:cNvPr>
-          <p:cNvSpPr>
-            <a:spLocks noGrp="1"/>
-          </p:cNvSpPr>
-          <p:nvPr>
-            <p:ph type="title"/>
-          </p:nvPr>
-        </p:nvSpPr>
-        <p:spPr>
-          <a:xfrm>
-            <a:off x="338666" y="183025"/>
-            <a:ext cx="8421512" cy="769441"/>
-          </a:xfrm>
-        </p:spPr>
-        <p:txBody>
-          <a:bodyPr/>
-          <a:lstStyle/>
-          <a:p>
-            <a:r>
-              <a:rPr lang="en-US" sz="4400" dirty="0"/>
-              <a:t>Example Data Analysis</a:t>
-            </a:r>
-          </a:p>
-        </p:txBody>
-      </p:sp>
-      <p:pic>
-        <p:nvPicPr>
-          <p:cNvPr id="10" name="Picture 9">
-            <a:extLst>
-              <a:ext uri="{FF2B5EF4-FFF2-40B4-BE49-F238E27FC236}">
-                <a16:creationId xmlns:a16="http://schemas.microsoft.com/office/drawing/2014/main" id="{631A673E-DF46-7DED-DED7-7F4B3E3B641D}"/>
-              </a:ext>
-            </a:extLst>
-          </p:cNvPr>
-          <p:cNvPicPr>
-            <a:picLocks noChangeAspect="1"/>
-          </p:cNvPicPr>
-          <p:nvPr/>
-        </p:nvPicPr>
-        <p:blipFill>
-          <a:blip r:embed="rId2"/>
-          <a:stretch>
-            <a:fillRect/>
-          </a:stretch>
-        </p:blipFill>
-        <p:spPr>
-          <a:xfrm>
-            <a:off x="831133" y="1427783"/>
-            <a:ext cx="7630590" cy="4315427"/>
-          </a:xfrm>
-          <a:prstGeom prst="rect">
-            <a:avLst/>
-          </a:prstGeom>
-        </p:spPr>
-      </p:pic>
-    </p:spTree>
-    <p:extLst>
-      <p:ext uri="{BB962C8B-B14F-4D97-AF65-F5344CB8AC3E}">
-        <p14:creationId xmlns:p14="http://schemas.microsoft.com/office/powerpoint/2010/main" val="837036054"/>
-      </p:ext>
-    </p:extLst>
-  </p:cSld>
-  <p:clrMapOvr>
-    <a:masterClrMapping/>
-  </p:clrMapOvr>
-</p:sld>
-</file>
-
 <file path=ppt/slides/slide3.xml><?xml version="1.0" encoding="utf-8"?>
-<p:sld xmlns:a="http://schemas.openxmlformats.org/drawingml/2006/main" xmlns:r="http://schemas.openxmlformats.org/officeDocument/2006/relationships" xmlns:p="http://schemas.openxmlformats.org/presentationml/2006/main">
-  <p:cSld>
-    <p:spTree>
-      <p:nvGrpSpPr>
-        <p:cNvPr id="1" name="">
-          <a:extLst>
-            <a:ext uri="{FF2B5EF4-FFF2-40B4-BE49-F238E27FC236}">
-              <a16:creationId xmlns:a16="http://schemas.microsoft.com/office/drawing/2014/main" id="{29616BD6-F4FE-A7D4-2A37-C4EA7D32A2B0}"/>
-            </a:ext>
-          </a:extLst>
-        </p:cNvPr>
-        <p:cNvGrpSpPr/>
-        <p:nvPr/>
-      </p:nvGrpSpPr>
-      <p:grpSpPr>
-        <a:xfrm>
-          <a:off x="0" y="0"/>
-          <a:ext cx="0" cy="0"/>
-          <a:chOff x="0" y="0"/>
-          <a:chExt cx="0" cy="0"/>
-        </a:xfrm>
-      </p:grpSpPr>
-      <p:sp>
-        <p:nvSpPr>
-          <p:cNvPr id="2" name="Title 1">
-            <a:extLst>
-              <a:ext uri="{FF2B5EF4-FFF2-40B4-BE49-F238E27FC236}">
-                <a16:creationId xmlns:a16="http://schemas.microsoft.com/office/drawing/2014/main" id="{8A38B19F-006B-7531-DD27-28B722C1984C}"/>
-              </a:ext>
-            </a:extLst>
-          </p:cNvPr>
-          <p:cNvSpPr>
-            <a:spLocks noGrp="1"/>
-          </p:cNvSpPr>
-          <p:nvPr>
-            <p:ph type="title"/>
-          </p:nvPr>
-        </p:nvSpPr>
-        <p:spPr/>
-        <p:txBody>
-          <a:bodyPr/>
-          <a:lstStyle/>
-          <a:p>
-            <a:r>
-              <a:rPr lang="en-US" dirty="0"/>
-              <a:t>Background</a:t>
-            </a:r>
-          </a:p>
-        </p:txBody>
-      </p:sp>
-      <p:sp>
-        <p:nvSpPr>
-          <p:cNvPr id="3" name="Content Placeholder 2">
-            <a:extLst>
-              <a:ext uri="{FF2B5EF4-FFF2-40B4-BE49-F238E27FC236}">
-                <a16:creationId xmlns:a16="http://schemas.microsoft.com/office/drawing/2014/main" id="{764E4572-3706-EF53-95DE-248E030B0350}"/>
-              </a:ext>
-            </a:extLst>
-          </p:cNvPr>
-          <p:cNvSpPr>
-            <a:spLocks noGrp="1"/>
-          </p:cNvSpPr>
-          <p:nvPr>
-            <p:ph idx="1"/>
-          </p:nvPr>
-        </p:nvSpPr>
-        <p:spPr>
-          <a:xfrm>
-            <a:off x="378177" y="1278747"/>
-            <a:ext cx="8387645" cy="5215465"/>
-          </a:xfrm>
-        </p:spPr>
-        <p:txBody>
-          <a:bodyPr/>
-          <a:lstStyle/>
-          <a:p>
-            <a:pPr marL="0" indent="0">
-              <a:buNone/>
-            </a:pPr>
-            <a:r>
-              <a:rPr lang="en-US" sz="2000" dirty="0"/>
-              <a:t>When a solid is dissolved in a liquid (solvent), there can be an energy change related to the molecules of the solid interacting with the molecules of the solvent.</a:t>
-            </a:r>
-          </a:p>
-          <a:p>
-            <a:r>
-              <a:rPr lang="en-US" sz="2000" dirty="0"/>
-              <a:t>When heat is </a:t>
-            </a:r>
-            <a:r>
-              <a:rPr lang="en-US" sz="2000" dirty="0">
-                <a:solidFill>
-                  <a:srgbClr val="FFC000"/>
-                </a:solidFill>
-              </a:rPr>
-              <a:t>released</a:t>
-            </a:r>
-            <a:r>
-              <a:rPr lang="en-US" sz="2000" dirty="0"/>
-              <a:t> in dissolving, reaction is </a:t>
-            </a:r>
-            <a:r>
-              <a:rPr lang="en-US" sz="2000" dirty="0">
-                <a:solidFill>
-                  <a:srgbClr val="00FF00"/>
-                </a:solidFill>
-              </a:rPr>
-              <a:t>exothermic</a:t>
-            </a:r>
-          </a:p>
-          <a:p>
-            <a:r>
-              <a:rPr lang="en-US" sz="2000" dirty="0"/>
-              <a:t>When heat is </a:t>
-            </a:r>
-            <a:r>
-              <a:rPr lang="en-US" sz="2000" dirty="0">
-                <a:solidFill>
-                  <a:srgbClr val="FFC000"/>
-                </a:solidFill>
-              </a:rPr>
-              <a:t>absorbed</a:t>
-            </a:r>
-            <a:r>
-              <a:rPr lang="en-US" sz="2000" dirty="0"/>
-              <a:t> in dissolving, reaction is </a:t>
-            </a:r>
-            <a:r>
-              <a:rPr lang="en-US" sz="2000" dirty="0">
-                <a:solidFill>
-                  <a:srgbClr val="00FF00"/>
-                </a:solidFill>
-              </a:rPr>
-              <a:t>endothermic</a:t>
-            </a:r>
-          </a:p>
-          <a:p>
-            <a:endParaRPr lang="en-US" sz="2000" dirty="0">
-              <a:solidFill>
-                <a:srgbClr val="00FF00"/>
-              </a:solidFill>
-            </a:endParaRPr>
-          </a:p>
-        </p:txBody>
-      </p:sp>
-      <p:pic>
-        <p:nvPicPr>
-          <p:cNvPr id="5" name="Picture 4">
-            <a:extLst>
-              <a:ext uri="{FF2B5EF4-FFF2-40B4-BE49-F238E27FC236}">
-                <a16:creationId xmlns:a16="http://schemas.microsoft.com/office/drawing/2014/main" id="{40FD7ACF-1DAA-1C8F-4406-E2B20988366A}"/>
-              </a:ext>
-            </a:extLst>
-          </p:cNvPr>
-          <p:cNvPicPr>
-            <a:picLocks noChangeAspect="1"/>
-          </p:cNvPicPr>
-          <p:nvPr/>
-        </p:nvPicPr>
-        <p:blipFill>
-          <a:blip r:embed="rId2"/>
-          <a:stretch>
-            <a:fillRect/>
-          </a:stretch>
-        </p:blipFill>
-        <p:spPr>
-          <a:xfrm>
-            <a:off x="5336343" y="3243074"/>
-            <a:ext cx="3429479" cy="2695951"/>
-          </a:xfrm>
-          <a:prstGeom prst="rect">
-            <a:avLst/>
-          </a:prstGeom>
-        </p:spPr>
-      </p:pic>
-    </p:spTree>
-    <p:extLst>
-      <p:ext uri="{BB962C8B-B14F-4D97-AF65-F5344CB8AC3E}">
-        <p14:creationId xmlns:p14="http://schemas.microsoft.com/office/powerpoint/2010/main" val="3146380497"/>
-      </p:ext>
-    </p:extLst>
-  </p:cSld>
-  <p:clrMapOvr>
-    <a:masterClrMapping/>
-  </p:clrMapOvr>
-</p:sld>
-</file>
-
-<file path=ppt/slides/slide4.xml><?xml version="1.0" encoding="utf-8"?>
 <p:sld xmlns:a="http://schemas.openxmlformats.org/drawingml/2006/main" xmlns:r="http://schemas.openxmlformats.org/officeDocument/2006/relationships" xmlns:p="http://schemas.openxmlformats.org/presentationml/2006/main">
   <p:cSld>
     <p:spTree>
@@ -13308,7 +12840,7 @@
 </p:sld>
 </file>
 
-<file path=ppt/slides/slide5.xml><?xml version="1.0" encoding="utf-8"?>
+<file path=ppt/slides/slide4.xml><?xml version="1.0" encoding="utf-8"?>
 <p:sld xmlns:a="http://schemas.openxmlformats.org/drawingml/2006/main" xmlns:r="http://schemas.openxmlformats.org/officeDocument/2006/relationships" xmlns:p="http://schemas.openxmlformats.org/presentationml/2006/main">
   <p:cSld>
     <p:spTree>
@@ -13462,7 +12994,7 @@
 </p:sld>
 </file>
 
-<file path=ppt/slides/slide6.xml><?xml version="1.0" encoding="utf-8"?>
+<file path=ppt/slides/slide5.xml><?xml version="1.0" encoding="utf-8"?>
 <p:sld xmlns:a="http://schemas.openxmlformats.org/drawingml/2006/main" xmlns:r="http://schemas.openxmlformats.org/officeDocument/2006/relationships" xmlns:p="http://schemas.openxmlformats.org/presentationml/2006/main">
   <p:cSld>
     <p:spTree>
@@ -13610,7 +13142,7 @@
 </p:sld>
 </file>
 
-<file path=ppt/slides/slide7.xml><?xml version="1.0" encoding="utf-8"?>
+<file path=ppt/slides/slide6.xml><?xml version="1.0" encoding="utf-8"?>
 <p:sld xmlns:a="http://schemas.openxmlformats.org/drawingml/2006/main" xmlns:r="http://schemas.openxmlformats.org/officeDocument/2006/relationships" xmlns:p="http://schemas.openxmlformats.org/presentationml/2006/main">
   <p:cSld>
     <p:spTree>
@@ -13895,7 +13427,7 @@
 </p:sld>
 </file>
 
-<file path=ppt/slides/slide8.xml><?xml version="1.0" encoding="utf-8"?>
+<file path=ppt/slides/slide7.xml><?xml version="1.0" encoding="utf-8"?>
 <p:sld xmlns:a="http://schemas.openxmlformats.org/drawingml/2006/main" xmlns:r="http://schemas.openxmlformats.org/officeDocument/2006/relationships" xmlns:p="http://schemas.openxmlformats.org/presentationml/2006/main">
   <p:cSld>
     <p:spTree>
@@ -14025,7 +13557,19 @@
             </a:pPr>
             <a:r>
               <a:rPr lang="en-US" sz="2200" dirty="0"/>
-              <a:t>Clean the Mg ribbon by lightly rubbing with steel wool. It may become “shiny” as an oxide outer layer is removed</a:t>
+              <a:t>Clean the </a:t>
+            </a:r>
+            <a:r>
+              <a:rPr lang="en-US" sz="2200" b="1" dirty="0">
+                <a:solidFill>
+                  <a:srgbClr val="FFC000"/>
+                </a:solidFill>
+              </a:rPr>
+              <a:t>Mg</a:t>
+            </a:r>
+            <a:r>
+              <a:rPr lang="en-US" sz="2200" dirty="0"/>
+              <a:t> ribbon by lightly rubbing with steel wool. It may become “shiny” as an oxide outer layer is removed</a:t>
             </a:r>
           </a:p>
           <a:p>
@@ -14035,7 +13579,34 @@
             </a:pPr>
             <a:r>
               <a:rPr lang="en-US" sz="2200" dirty="0"/>
-              <a:t>Put weighing paper on the balance, zero it, and put the ribbon on the balance: you are looking for a target mass of about 0.05 g (50 mg). If the mass &gt; 0.05 g, estimate carefully how much ribbon to break off, break it, then re-weigh it to get the final mass you will use. Record the mass (all the digits from the balance) in your lab manual</a:t>
+              <a:t>Put weighing paper on the balance, zero it, and put the ribbon on the balance: you are looking for a target mass of about </a:t>
+            </a:r>
+            <a:r>
+              <a:rPr lang="en-US" sz="2200" b="1" dirty="0">
+                <a:solidFill>
+                  <a:srgbClr val="FFC000"/>
+                </a:solidFill>
+              </a:rPr>
+              <a:t>0.05 g (50 mg)</a:t>
+            </a:r>
+            <a:r>
+              <a:rPr lang="en-US" sz="2200" dirty="0"/>
+              <a:t>. If the </a:t>
+            </a:r>
+            <a:br>
+              <a:rPr lang="en-US" sz="2200" dirty="0"/>
+            </a:br>
+            <a:r>
+              <a:rPr lang="en-US" sz="2200" b="1" dirty="0">
+                <a:solidFill>
+                  <a:srgbClr val="FFC000"/>
+                </a:solidFill>
+              </a:rPr>
+              <a:t>mass &gt; 0.05 g</a:t>
+            </a:r>
+            <a:r>
+              <a:rPr lang="en-US" sz="2200" dirty="0"/>
+              <a:t>, estimate carefully how much ribbon to break off, break it, then re-weigh it to get the final mass you will use. Record the mass (all the digits from the balance) in your lab manual</a:t>
             </a:r>
           </a:p>
         </p:txBody>
@@ -14053,7 +13624,7 @@
 </p:sld>
 </file>
 
-<file path=ppt/slides/slide9.xml><?xml version="1.0" encoding="utf-8"?>
+<file path=ppt/slides/slide8.xml><?xml version="1.0" encoding="utf-8"?>
 <p:sld xmlns:a="http://schemas.openxmlformats.org/drawingml/2006/main" xmlns:r="http://schemas.openxmlformats.org/officeDocument/2006/relationships" xmlns:p="http://schemas.openxmlformats.org/presentationml/2006/main">
   <p:cSld>
     <p:spTree>
@@ -14315,6 +13886,284 @@
     <p:extLst>
       <p:ext uri="{BB962C8B-B14F-4D97-AF65-F5344CB8AC3E}">
         <p14:creationId xmlns:p14="http://schemas.microsoft.com/office/powerpoint/2010/main" val="1316157153"/>
+      </p:ext>
+    </p:extLst>
+  </p:cSld>
+  <p:clrMapOvr>
+    <a:masterClrMapping/>
+  </p:clrMapOvr>
+</p:sld>
+</file>
+
+<file path=ppt/slides/slide9.xml><?xml version="1.0" encoding="utf-8"?>
+<p:sld xmlns:a="http://schemas.openxmlformats.org/drawingml/2006/main" xmlns:r="http://schemas.openxmlformats.org/officeDocument/2006/relationships" xmlns:p="http://schemas.openxmlformats.org/presentationml/2006/main">
+  <p:cSld>
+    <p:spTree>
+      <p:nvGrpSpPr>
+        <p:cNvPr id="1" name="">
+          <a:extLst>
+            <a:ext uri="{FF2B5EF4-FFF2-40B4-BE49-F238E27FC236}">
+              <a16:creationId xmlns:a16="http://schemas.microsoft.com/office/drawing/2014/main" id="{95EF48BD-4279-9E92-82A4-23BD4343B1F9}"/>
+            </a:ext>
+          </a:extLst>
+        </p:cNvPr>
+        <p:cNvGrpSpPr/>
+        <p:nvPr/>
+      </p:nvGrpSpPr>
+      <p:grpSpPr>
+        <a:xfrm>
+          <a:off x="0" y="0"/>
+          <a:ext cx="0" cy="0"/>
+          <a:chOff x="0" y="0"/>
+          <a:chExt cx="0" cy="0"/>
+        </a:xfrm>
+      </p:grpSpPr>
+      <p:sp>
+        <p:nvSpPr>
+          <p:cNvPr id="2" name="Title 1">
+            <a:extLst>
+              <a:ext uri="{FF2B5EF4-FFF2-40B4-BE49-F238E27FC236}">
+                <a16:creationId xmlns:a16="http://schemas.microsoft.com/office/drawing/2014/main" id="{7FA3F0D3-DF1A-C01B-EE1C-9ACC6A2E408C}"/>
+              </a:ext>
+            </a:extLst>
+          </p:cNvPr>
+          <p:cNvSpPr>
+            <a:spLocks noGrp="1"/>
+          </p:cNvSpPr>
+          <p:nvPr>
+            <p:ph type="title"/>
+          </p:nvPr>
+        </p:nvSpPr>
+        <p:spPr>
+          <a:xfrm>
+            <a:off x="338666" y="183025"/>
+            <a:ext cx="8421512" cy="769441"/>
+          </a:xfrm>
+        </p:spPr>
+        <p:txBody>
+          <a:bodyPr/>
+          <a:lstStyle/>
+          <a:p>
+            <a:r>
+              <a:rPr lang="en-US" sz="4400" dirty="0"/>
+              <a:t>Procedure</a:t>
+            </a:r>
+          </a:p>
+        </p:txBody>
+      </p:sp>
+      <p:sp>
+        <p:nvSpPr>
+          <p:cNvPr id="6" name="Content Placeholder 5">
+            <a:extLst>
+              <a:ext uri="{FF2B5EF4-FFF2-40B4-BE49-F238E27FC236}">
+                <a16:creationId xmlns:a16="http://schemas.microsoft.com/office/drawing/2014/main" id="{4B1C4C92-AEB0-ACA3-287E-CA6DA417E8E6}"/>
+              </a:ext>
+            </a:extLst>
+          </p:cNvPr>
+          <p:cNvSpPr>
+            <a:spLocks noGrp="1"/>
+          </p:cNvSpPr>
+          <p:nvPr>
+            <p:ph idx="1"/>
+          </p:nvPr>
+        </p:nvSpPr>
+        <p:spPr>
+          <a:xfrm>
+            <a:off x="372533" y="952466"/>
+            <a:ext cx="8387645" cy="5595089"/>
+          </a:xfrm>
+        </p:spPr>
+        <p:txBody>
+          <a:bodyPr/>
+          <a:lstStyle/>
+          <a:p>
+            <a:pPr marL="457200" indent="-457200">
+              <a:buFont typeface="+mj-lt"/>
+              <a:buAutoNum type="arabicPeriod" startAt="6"/>
+            </a:pPr>
+            <a:r>
+              <a:rPr lang="en-US" sz="2100" dirty="0"/>
+              <a:t>Using a small (10 mL) </a:t>
+            </a:r>
+            <a:r>
+              <a:rPr lang="en-US" sz="2100" dirty="0">
+                <a:solidFill>
+                  <a:srgbClr val="FFFF00"/>
+                </a:solidFill>
+              </a:rPr>
+              <a:t>graduated cylinder</a:t>
+            </a:r>
+            <a:r>
+              <a:rPr lang="en-US" sz="2100" dirty="0"/>
+              <a:t>, pour </a:t>
+            </a:r>
+            <a:r>
+              <a:rPr lang="en-US" sz="2100" b="1" dirty="0">
+                <a:solidFill>
+                  <a:srgbClr val="FFC000"/>
+                </a:solidFill>
+              </a:rPr>
+              <a:t>8-10 mL </a:t>
+            </a:r>
+            <a:r>
+              <a:rPr lang="en-US" sz="2100" dirty="0"/>
+              <a:t>of </a:t>
+            </a:r>
+            <a:r>
+              <a:rPr lang="en-US" sz="2100" dirty="0">
+                <a:solidFill>
+                  <a:srgbClr val="FFC000"/>
+                </a:solidFill>
+              </a:rPr>
+              <a:t>6 M</a:t>
+            </a:r>
+            <a:r>
+              <a:rPr lang="en-US" sz="2100" dirty="0"/>
+              <a:t> (molar) </a:t>
+            </a:r>
+            <a:r>
+              <a:rPr lang="en-US" sz="2100" dirty="0">
+                <a:solidFill>
+                  <a:schemeClr val="accent1">
+                    <a:lumMod val="60000"/>
+                    <a:lumOff val="40000"/>
+                  </a:schemeClr>
+                </a:solidFill>
+              </a:rPr>
+              <a:t>hydrochloric acid</a:t>
+            </a:r>
+            <a:r>
+              <a:rPr lang="en-US" sz="2100" dirty="0"/>
+              <a:t> (</a:t>
+            </a:r>
+            <a:r>
+              <a:rPr lang="en-US" sz="2100" b="1" dirty="0">
+                <a:solidFill>
+                  <a:schemeClr val="accent1">
+                    <a:lumMod val="60000"/>
+                    <a:lumOff val="40000"/>
+                  </a:schemeClr>
+                </a:solidFill>
+              </a:rPr>
+              <a:t>HCl</a:t>
+            </a:r>
+            <a:r>
+              <a:rPr lang="en-US" sz="2100" dirty="0"/>
+              <a:t>) into the gas collection tube (eudiometer)</a:t>
+            </a:r>
+          </a:p>
+          <a:p>
+            <a:pPr marL="457200" indent="-457200">
+              <a:buFont typeface="+mj-lt"/>
+              <a:buAutoNum type="arabicPeriod" startAt="6"/>
+            </a:pPr>
+            <a:r>
+              <a:rPr lang="en-US" sz="2100" dirty="0"/>
+              <a:t>For this step of adding </a:t>
+            </a:r>
+            <a:r>
+              <a:rPr lang="en-US" sz="2100" dirty="0">
+                <a:solidFill>
+                  <a:schemeClr val="accent1">
+                    <a:lumMod val="60000"/>
+                    <a:lumOff val="40000"/>
+                  </a:schemeClr>
+                </a:solidFill>
+              </a:rPr>
+              <a:t>DI water</a:t>
+            </a:r>
+            <a:r>
+              <a:rPr lang="en-US" sz="2100" dirty="0"/>
+              <a:t>, I suggest you first tip the </a:t>
+            </a:r>
+            <a:r>
+              <a:rPr lang="en-US" sz="2100" dirty="0">
+                <a:solidFill>
+                  <a:schemeClr val="accent1">
+                    <a:lumMod val="60000"/>
+                    <a:lumOff val="40000"/>
+                  </a:schemeClr>
+                </a:solidFill>
+              </a:rPr>
+              <a:t>eudiometer</a:t>
+            </a:r>
+            <a:r>
+              <a:rPr lang="en-US" sz="2100" dirty="0"/>
+              <a:t> tube at an angle so that the water comes in down the side of the wall of the eudiometer tube. VERY SLOWLY AT FIRST add water to the eudiometer to avoid MIXING the water with the acid. As you add more water, the mixing effect will lessen but still add it slowly. Bring the level of the water to the brim of the eudiometer tube, this time holding the tube quite vertically.</a:t>
+            </a:r>
+          </a:p>
+          <a:p>
+            <a:pPr marL="457200" indent="-457200">
+              <a:buFont typeface="+mj-lt"/>
+              <a:buAutoNum type="arabicPeriod" startAt="6"/>
+            </a:pPr>
+            <a:r>
+              <a:rPr lang="en-US" sz="2100" dirty="0"/>
+              <a:t>Put the </a:t>
+            </a:r>
+            <a:r>
+              <a:rPr lang="en-US" sz="2100" dirty="0">
+                <a:solidFill>
+                  <a:srgbClr val="FFFF00"/>
+                </a:solidFill>
+              </a:rPr>
+              <a:t>Mg ribbon </a:t>
+            </a:r>
+            <a:r>
+              <a:rPr lang="en-US" sz="2100" dirty="0"/>
+              <a:t>in the water JUST INSIDE THE TUBE. Some of the </a:t>
+            </a:r>
+            <a:r>
+              <a:rPr lang="en-US" sz="2100" dirty="0">
+                <a:solidFill>
+                  <a:srgbClr val="FFFF00"/>
+                </a:solidFill>
+              </a:rPr>
+              <a:t>fishing line </a:t>
+            </a:r>
+            <a:r>
+              <a:rPr lang="en-US" sz="2100" dirty="0"/>
+              <a:t>should be OUTSIDE the tube.</a:t>
+            </a:r>
+          </a:p>
+          <a:p>
+            <a:pPr marL="457200" indent="-457200">
+              <a:buFont typeface="+mj-lt"/>
+              <a:buAutoNum type="arabicPeriod" startAt="6"/>
+            </a:pPr>
+            <a:r>
+              <a:rPr lang="en-US" sz="2100" dirty="0"/>
+              <a:t>Place a </a:t>
+            </a:r>
+            <a:r>
+              <a:rPr lang="en-US" sz="2100" dirty="0">
+                <a:solidFill>
+                  <a:schemeClr val="accent1">
+                    <a:lumMod val="60000"/>
+                    <a:lumOff val="40000"/>
+                  </a:schemeClr>
+                </a:solidFill>
+              </a:rPr>
+              <a:t>rubber stopper </a:t>
+            </a:r>
+            <a:r>
+              <a:rPr lang="en-US" sz="2100" dirty="0"/>
+              <a:t>in the tube, making sure it holds the fishing line</a:t>
+            </a:r>
+          </a:p>
+          <a:p>
+            <a:pPr marL="457200" indent="-457200">
+              <a:buFont typeface="+mj-lt"/>
+              <a:buAutoNum type="arabicPeriod" startAt="6"/>
+            </a:pPr>
+            <a:endParaRPr lang="en-US" sz="2100" dirty="0"/>
+          </a:p>
+        </p:txBody>
+      </p:sp>
+    </p:spTree>
+    <p:extLst>
+      <p:ext uri="{BB962C8B-B14F-4D97-AF65-F5344CB8AC3E}">
+        <p14:creationId xmlns:p14="http://schemas.microsoft.com/office/powerpoint/2010/main" val="1722849385"/>
       </p:ext>
     </p:extLst>
   </p:cSld>
